--- a/lectures/06_universal_approximation_theorem/Universal_approximation_theorem.pptx
+++ b/lectures/06_universal_approximation_theorem/Universal_approximation_theorem.pptx
@@ -5,7 +5,7 @@
     <p:sldMasterId id="2147483648" r:id="rId1"/>
   </p:sldMasterIdLst>
   <p:notesMasterIdLst>
-    <p:notesMasterId r:id="rId24"/>
+    <p:notesMasterId r:id="rId26"/>
   </p:notesMasterIdLst>
   <p:sldIdLst>
     <p:sldId id="256" r:id="rId2"/>
@@ -24,12 +24,14 @@
     <p:sldId id="266" r:id="rId15"/>
     <p:sldId id="267" r:id="rId16"/>
     <p:sldId id="268" r:id="rId17"/>
-    <p:sldId id="270" r:id="rId18"/>
-    <p:sldId id="276" r:id="rId19"/>
-    <p:sldId id="271" r:id="rId20"/>
-    <p:sldId id="277" r:id="rId21"/>
-    <p:sldId id="269" r:id="rId22"/>
-    <p:sldId id="275" r:id="rId23"/>
+    <p:sldId id="278" r:id="rId18"/>
+    <p:sldId id="279" r:id="rId19"/>
+    <p:sldId id="270" r:id="rId20"/>
+    <p:sldId id="276" r:id="rId21"/>
+    <p:sldId id="271" r:id="rId22"/>
+    <p:sldId id="277" r:id="rId23"/>
+    <p:sldId id="269" r:id="rId24"/>
+    <p:sldId id="275" r:id="rId25"/>
   </p:sldIdLst>
   <p:sldSz cx="12192000" cy="6858000"/>
   <p:notesSz cx="6858000" cy="9144000"/>
@@ -139,7 +141,7 @@
 <file path=ppt/revisionInfo.xml><?xml version="1.0" encoding="utf-8"?>
 <p1510:revInfo xmlns:a="http://schemas.openxmlformats.org/drawingml/2006/main" xmlns:r="http://schemas.openxmlformats.org/officeDocument/2006/relationships" xmlns:p1510="http://schemas.microsoft.com/office/powerpoint/2015/10/main">
   <p1510:revLst>
-    <p1510:client id="{77503F2E-F3A0-409B-A511-BB14035E722B}" v="202" dt="2025-05-01T18:53:24.511"/>
+    <p1510:client id="{77503F2E-F3A0-409B-A511-BB14035E722B}" v="204" dt="2025-05-16T16:47:30.958"/>
   </p1510:revLst>
 </p1510:revInfo>
 </file>
@@ -149,7 +151,7 @@
   <pc:docChgLst>
     <pc:chgData name="Weifeng Xu" userId="e7aed605-a3dd-4d5a-a692-a87037af107b" providerId="ADAL" clId="{77503F2E-F3A0-409B-A511-BB14035E722B}"/>
     <pc:docChg chg="undo custSel addSld delSld modSld sldOrd">
-      <pc:chgData name="Weifeng Xu" userId="e7aed605-a3dd-4d5a-a692-a87037af107b" providerId="ADAL" clId="{77503F2E-F3A0-409B-A511-BB14035E722B}" dt="2025-05-01T18:53:56.374" v="2136" actId="20577"/>
+      <pc:chgData name="Weifeng Xu" userId="e7aed605-a3dd-4d5a-a692-a87037af107b" providerId="ADAL" clId="{77503F2E-F3A0-409B-A511-BB14035E722B}" dt="2025-05-16T16:48:51.101" v="2220" actId="20577"/>
       <pc:docMkLst>
         <pc:docMk/>
       </pc:docMkLst>
@@ -185,27 +187,11 @@
         </pc:spChg>
       </pc:sldChg>
       <pc:sldChg chg="addSp delSp modSp new mod modClrScheme chgLayout">
-        <pc:chgData name="Weifeng Xu" userId="e7aed605-a3dd-4d5a-a692-a87037af107b" providerId="ADAL" clId="{77503F2E-F3A0-409B-A511-BB14035E722B}" dt="2025-04-30T22:00:56.674" v="162" actId="14100"/>
+        <pc:chgData name="Weifeng Xu" userId="e7aed605-a3dd-4d5a-a692-a87037af107b" providerId="ADAL" clId="{77503F2E-F3A0-409B-A511-BB14035E722B}" dt="2025-05-16T16:48:51.101" v="2220" actId="20577"/>
         <pc:sldMkLst>
           <pc:docMk/>
           <pc:sldMk cId="2003605107" sldId="257"/>
         </pc:sldMkLst>
-        <pc:spChg chg="del mod ord">
-          <ac:chgData name="Weifeng Xu" userId="e7aed605-a3dd-4d5a-a692-a87037af107b" providerId="ADAL" clId="{77503F2E-F3A0-409B-A511-BB14035E722B}" dt="2025-04-30T21:48:46.038" v="13" actId="700"/>
-          <ac:spMkLst>
-            <pc:docMk/>
-            <pc:sldMk cId="2003605107" sldId="257"/>
-            <ac:spMk id="2" creationId="{33CB4A03-8AD9-1475-BAFE-A37682581A09}"/>
-          </ac:spMkLst>
-        </pc:spChg>
-        <pc:spChg chg="del">
-          <ac:chgData name="Weifeng Xu" userId="e7aed605-a3dd-4d5a-a692-a87037af107b" providerId="ADAL" clId="{77503F2E-F3A0-409B-A511-BB14035E722B}" dt="2025-04-30T21:48:46.038" v="13" actId="700"/>
-          <ac:spMkLst>
-            <pc:docMk/>
-            <pc:sldMk cId="2003605107" sldId="257"/>
-            <ac:spMk id="3" creationId="{5D00FC77-D520-64C5-3B0E-260308D3E538}"/>
-          </ac:spMkLst>
-        </pc:spChg>
         <pc:spChg chg="add mod ord">
           <ac:chgData name="Weifeng Xu" userId="e7aed605-a3dd-4d5a-a692-a87037af107b" providerId="ADAL" clId="{77503F2E-F3A0-409B-A511-BB14035E722B}" dt="2025-04-30T21:49:26.422" v="53" actId="20577"/>
           <ac:spMkLst>
@@ -215,29 +201,13 @@
           </ac:spMkLst>
         </pc:spChg>
         <pc:spChg chg="add mod">
-          <ac:chgData name="Weifeng Xu" userId="e7aed605-a3dd-4d5a-a692-a87037af107b" providerId="ADAL" clId="{77503F2E-F3A0-409B-A511-BB14035E722B}" dt="2025-04-30T21:58:37.331" v="145" actId="20577"/>
+          <ac:chgData name="Weifeng Xu" userId="e7aed605-a3dd-4d5a-a692-a87037af107b" providerId="ADAL" clId="{77503F2E-F3A0-409B-A511-BB14035E722B}" dt="2025-05-16T16:48:51.101" v="2220" actId="20577"/>
           <ac:spMkLst>
             <pc:docMk/>
             <pc:sldMk cId="2003605107" sldId="257"/>
             <ac:spMk id="8" creationId="{587CA252-5BDC-BDC4-1320-63DC91A55227}"/>
           </ac:spMkLst>
         </pc:spChg>
-        <pc:spChg chg="add del">
-          <ac:chgData name="Weifeng Xu" userId="e7aed605-a3dd-4d5a-a692-a87037af107b" providerId="ADAL" clId="{77503F2E-F3A0-409B-A511-BB14035E722B}" dt="2025-04-30T22:00:45.631" v="158" actId="22"/>
-          <ac:spMkLst>
-            <pc:docMk/>
-            <pc:sldMk cId="2003605107" sldId="257"/>
-            <ac:spMk id="12" creationId="{EAB6101D-C76F-AD71-8AE5-3DF0198CA365}"/>
-          </ac:spMkLst>
-        </pc:spChg>
-        <pc:picChg chg="add del mod">
-          <ac:chgData name="Weifeng Xu" userId="e7aed605-a3dd-4d5a-a692-a87037af107b" providerId="ADAL" clId="{77503F2E-F3A0-409B-A511-BB14035E722B}" dt="2025-04-30T22:00:51.460" v="160" actId="478"/>
-          <ac:picMkLst>
-            <pc:docMk/>
-            <pc:sldMk cId="2003605107" sldId="257"/>
-            <ac:picMk id="6" creationId="{F8A92DEE-93BE-870A-0A67-3EB55CC156BA}"/>
-          </ac:picMkLst>
-        </pc:picChg>
         <pc:picChg chg="add mod">
           <ac:chgData name="Weifeng Xu" userId="e7aed605-a3dd-4d5a-a692-a87037af107b" providerId="ADAL" clId="{77503F2E-F3A0-409B-A511-BB14035E722B}" dt="2025-04-30T21:58:55.418" v="152" actId="14100"/>
           <ac:picMkLst>
@@ -291,28 +261,12 @@
             <ac:spMk id="4" creationId="{8242F42F-EA83-794F-2440-74DCDC9A9FE9}"/>
           </ac:spMkLst>
         </pc:spChg>
-        <pc:spChg chg="del mod">
-          <ac:chgData name="Weifeng Xu" userId="e7aed605-a3dd-4d5a-a692-a87037af107b" providerId="ADAL" clId="{77503F2E-F3A0-409B-A511-BB14035E722B}" dt="2025-04-30T22:02:35.634" v="189" actId="478"/>
-          <ac:spMkLst>
-            <pc:docMk/>
-            <pc:sldMk cId="3148078500" sldId="258"/>
-            <ac:spMk id="8" creationId="{7859EB82-203D-DD2C-5818-4E24B8B33BE6}"/>
-          </ac:spMkLst>
-        </pc:spChg>
         <pc:picChg chg="add mod modCrop">
           <ac:chgData name="Weifeng Xu" userId="e7aed605-a3dd-4d5a-a692-a87037af107b" providerId="ADAL" clId="{77503F2E-F3A0-409B-A511-BB14035E722B}" dt="2025-04-30T22:33:40.396" v="219" actId="732"/>
           <ac:picMkLst>
             <pc:docMk/>
             <pc:sldMk cId="3148078500" sldId="258"/>
             <ac:picMk id="5" creationId="{0921FA45-FD04-AE25-498F-8E911313F254}"/>
-          </ac:picMkLst>
-        </pc:picChg>
-        <pc:picChg chg="del mod">
-          <ac:chgData name="Weifeng Xu" userId="e7aed605-a3dd-4d5a-a692-a87037af107b" providerId="ADAL" clId="{77503F2E-F3A0-409B-A511-BB14035E722B}" dt="2025-04-30T22:31:29.972" v="206" actId="478"/>
-          <ac:picMkLst>
-            <pc:docMk/>
-            <pc:sldMk cId="3148078500" sldId="258"/>
-            <ac:picMk id="6" creationId="{6F1A6F6E-DD00-87FD-D384-37BEF27422B7}"/>
           </ac:picMkLst>
         </pc:picChg>
         <pc:picChg chg="add mod">
@@ -323,28 +277,12 @@
             <ac:picMk id="9" creationId="{50D1A7A4-4448-85BD-0403-4634E2DFDC2A}"/>
           </ac:picMkLst>
         </pc:picChg>
-        <pc:picChg chg="del">
-          <ac:chgData name="Weifeng Xu" userId="e7aed605-a3dd-4d5a-a692-a87037af107b" providerId="ADAL" clId="{77503F2E-F3A0-409B-A511-BB14035E722B}" dt="2025-04-30T22:02:38.194" v="190" actId="478"/>
-          <ac:picMkLst>
-            <pc:docMk/>
-            <pc:sldMk cId="3148078500" sldId="258"/>
-            <ac:picMk id="10" creationId="{ACD501B3-2EE7-9605-6618-8F9B952E97B0}"/>
-          </ac:picMkLst>
-        </pc:picChg>
         <pc:picChg chg="mod">
           <ac:chgData name="Weifeng Xu" userId="e7aed605-a3dd-4d5a-a692-a87037af107b" providerId="ADAL" clId="{77503F2E-F3A0-409B-A511-BB14035E722B}" dt="2025-04-30T22:02:32.728" v="188" actId="14100"/>
           <ac:picMkLst>
             <pc:docMk/>
             <pc:sldMk cId="3148078500" sldId="258"/>
             <ac:picMk id="1026" creationId="{00B75648-28F9-357F-88FB-A44E4D585D26}"/>
-          </ac:picMkLst>
-        </pc:picChg>
-        <pc:picChg chg="add del mod">
-          <ac:chgData name="Weifeng Xu" userId="e7aed605-a3dd-4d5a-a692-a87037af107b" providerId="ADAL" clId="{77503F2E-F3A0-409B-A511-BB14035E722B}" dt="2025-04-30T22:10:53.937" v="205" actId="478"/>
-          <ac:picMkLst>
-            <pc:docMk/>
-            <pc:sldMk cId="3148078500" sldId="258"/>
-            <ac:picMk id="2050" creationId="{D27B681A-38C6-42BE-F4D9-CAA762103856}"/>
           </ac:picMkLst>
         </pc:picChg>
       </pc:sldChg>
@@ -361,22 +299,6 @@
           <pc:docMk/>
           <pc:sldMk cId="2942233055" sldId="259"/>
         </pc:sldMkLst>
-        <pc:spChg chg="del">
-          <ac:chgData name="Weifeng Xu" userId="e7aed605-a3dd-4d5a-a692-a87037af107b" providerId="ADAL" clId="{77503F2E-F3A0-409B-A511-BB14035E722B}" dt="2025-04-30T22:33:53.280" v="222" actId="700"/>
-          <ac:spMkLst>
-            <pc:docMk/>
-            <pc:sldMk cId="2942233055" sldId="259"/>
-            <ac:spMk id="2" creationId="{A9014E6E-319B-419D-12EB-C76219B35456}"/>
-          </ac:spMkLst>
-        </pc:spChg>
-        <pc:spChg chg="del">
-          <ac:chgData name="Weifeng Xu" userId="e7aed605-a3dd-4d5a-a692-a87037af107b" providerId="ADAL" clId="{77503F2E-F3A0-409B-A511-BB14035E722B}" dt="2025-04-30T22:33:53.280" v="222" actId="700"/>
-          <ac:spMkLst>
-            <pc:docMk/>
-            <pc:sldMk cId="2942233055" sldId="259"/>
-            <ac:spMk id="3" creationId="{7FC1B665-BA27-9E49-EEC0-8A9BEFAC923A}"/>
-          </ac:spMkLst>
-        </pc:spChg>
         <pc:spChg chg="add mod">
           <ac:chgData name="Weifeng Xu" userId="e7aed605-a3dd-4d5a-a692-a87037af107b" providerId="ADAL" clId="{77503F2E-F3A0-409B-A511-BB14035E722B}" dt="2025-05-01T02:24:49.515" v="1486" actId="1076"/>
           <ac:spMkLst>
@@ -431,30 +353,6 @@
             <ac:spMk id="4" creationId="{0C963471-5218-88BE-4884-CD62F312ACAC}"/>
           </ac:spMkLst>
         </pc:spChg>
-        <pc:spChg chg="add del mod">
-          <ac:chgData name="Weifeng Xu" userId="e7aed605-a3dd-4d5a-a692-a87037af107b" providerId="ADAL" clId="{77503F2E-F3A0-409B-A511-BB14035E722B}" dt="2025-04-30T23:53:12.876" v="477" actId="478"/>
-          <ac:spMkLst>
-            <pc:docMk/>
-            <pc:sldMk cId="4238292093" sldId="260"/>
-            <ac:spMk id="9" creationId="{1895337F-2634-C47B-E7D4-0020ACD05AE8}"/>
-          </ac:spMkLst>
-        </pc:spChg>
-        <pc:spChg chg="add del mod">
-          <ac:chgData name="Weifeng Xu" userId="e7aed605-a3dd-4d5a-a692-a87037af107b" providerId="ADAL" clId="{77503F2E-F3A0-409B-A511-BB14035E722B}" dt="2025-04-30T23:53:12.876" v="477" actId="478"/>
-          <ac:spMkLst>
-            <pc:docMk/>
-            <pc:sldMk cId="4238292093" sldId="260"/>
-            <ac:spMk id="14" creationId="{73C1F93A-93D7-50DD-6BC4-8AAEA17AA361}"/>
-          </ac:spMkLst>
-        </pc:spChg>
-        <pc:spChg chg="add del">
-          <ac:chgData name="Weifeng Xu" userId="e7aed605-a3dd-4d5a-a692-a87037af107b" providerId="ADAL" clId="{77503F2E-F3A0-409B-A511-BB14035E722B}" dt="2025-04-30T23:53:49.477" v="483" actId="22"/>
-          <ac:spMkLst>
-            <pc:docMk/>
-            <pc:sldMk cId="4238292093" sldId="260"/>
-            <ac:spMk id="18" creationId="{E206E782-C47D-0170-76C1-6FA5DD300C7F}"/>
-          </ac:spMkLst>
-        </pc:spChg>
         <pc:picChg chg="add mod">
           <ac:chgData name="Weifeng Xu" userId="e7aed605-a3dd-4d5a-a692-a87037af107b" providerId="ADAL" clId="{77503F2E-F3A0-409B-A511-BB14035E722B}" dt="2025-04-30T23:57:44.212" v="500" actId="1076"/>
           <ac:picMkLst>
@@ -471,46 +369,6 @@
             <ac:picMk id="20" creationId="{3F0BDE0B-AEE5-6034-7828-53C3C9ED9E15}"/>
           </ac:picMkLst>
         </pc:picChg>
-        <pc:picChg chg="add del mod">
-          <ac:chgData name="Weifeng Xu" userId="e7aed605-a3dd-4d5a-a692-a87037af107b" providerId="ADAL" clId="{77503F2E-F3A0-409B-A511-BB14035E722B}" dt="2025-04-30T22:40:02.694" v="303" actId="478"/>
-          <ac:picMkLst>
-            <pc:docMk/>
-            <pc:sldMk cId="4238292093" sldId="260"/>
-            <ac:picMk id="3074" creationId="{5E8E33BB-069D-F3B2-B591-465AD9F1A82F}"/>
-          </ac:picMkLst>
-        </pc:picChg>
-        <pc:inkChg chg="add del">
-          <ac:chgData name="Weifeng Xu" userId="e7aed605-a3dd-4d5a-a692-a87037af107b" providerId="ADAL" clId="{77503F2E-F3A0-409B-A511-BB14035E722B}" dt="2025-04-30T23:53:12.876" v="477" actId="478"/>
-          <ac:inkMkLst>
-            <pc:docMk/>
-            <pc:sldMk cId="4238292093" sldId="260"/>
-            <ac:inkMk id="10" creationId="{59AD3A77-0085-3B28-EC02-9B221529EE79}"/>
-          </ac:inkMkLst>
-        </pc:inkChg>
-        <pc:inkChg chg="add del">
-          <ac:chgData name="Weifeng Xu" userId="e7aed605-a3dd-4d5a-a692-a87037af107b" providerId="ADAL" clId="{77503F2E-F3A0-409B-A511-BB14035E722B}" dt="2025-04-30T23:53:12.876" v="477" actId="478"/>
-          <ac:inkMkLst>
-            <pc:docMk/>
-            <pc:sldMk cId="4238292093" sldId="260"/>
-            <ac:inkMk id="11" creationId="{FDAA3874-9F58-3C1C-FCC1-A7EC5CD782A0}"/>
-          </ac:inkMkLst>
-        </pc:inkChg>
-        <pc:cxnChg chg="add del mod">
-          <ac:chgData name="Weifeng Xu" userId="e7aed605-a3dd-4d5a-a692-a87037af107b" providerId="ADAL" clId="{77503F2E-F3A0-409B-A511-BB14035E722B}" dt="2025-04-30T23:53:12.876" v="477" actId="478"/>
-          <ac:cxnSpMkLst>
-            <pc:docMk/>
-            <pc:sldMk cId="4238292093" sldId="260"/>
-            <ac:cxnSpMk id="6" creationId="{6299C8AB-FFDA-B3A9-ED85-FA1695E4D389}"/>
-          </ac:cxnSpMkLst>
-        </pc:cxnChg>
-        <pc:cxnChg chg="add del mod">
-          <ac:chgData name="Weifeng Xu" userId="e7aed605-a3dd-4d5a-a692-a87037af107b" providerId="ADAL" clId="{77503F2E-F3A0-409B-A511-BB14035E722B}" dt="2025-04-30T23:53:12.876" v="477" actId="478"/>
-          <ac:cxnSpMkLst>
-            <pc:docMk/>
-            <pc:sldMk cId="4238292093" sldId="260"/>
-            <ac:cxnSpMk id="7" creationId="{E0C5E40F-8D37-CA51-1816-B22AF7A4A283}"/>
-          </ac:cxnSpMkLst>
-        </pc:cxnChg>
       </pc:sldChg>
       <pc:sldChg chg="addSp delSp modSp new mod ord modClrScheme chgLayout modNotesTx">
         <pc:chgData name="Weifeng Xu" userId="e7aed605-a3dd-4d5a-a692-a87037af107b" providerId="ADAL" clId="{77503F2E-F3A0-409B-A511-BB14035E722B}" dt="2025-05-01T00:20:09.257" v="663" actId="20577"/>
@@ -556,22 +414,6 @@
             <pc:docMk/>
             <pc:sldMk cId="773548588" sldId="261"/>
             <ac:picMk id="8" creationId="{C29E6E1F-95C8-0589-83D7-D425088D847B}"/>
-          </ac:picMkLst>
-        </pc:picChg>
-        <pc:picChg chg="add del mod">
-          <ac:chgData name="Weifeng Xu" userId="e7aed605-a3dd-4d5a-a692-a87037af107b" providerId="ADAL" clId="{77503F2E-F3A0-409B-A511-BB14035E722B}" dt="2025-05-01T00:07:14.656" v="624" actId="478"/>
-          <ac:picMkLst>
-            <pc:docMk/>
-            <pc:sldMk cId="773548588" sldId="261"/>
-            <ac:picMk id="4098" creationId="{5A674C8A-7A0D-41A4-B8A6-EC2651214F1C}"/>
-          </ac:picMkLst>
-        </pc:picChg>
-        <pc:picChg chg="add del">
-          <ac:chgData name="Weifeng Xu" userId="e7aed605-a3dd-4d5a-a692-a87037af107b" providerId="ADAL" clId="{77503F2E-F3A0-409B-A511-BB14035E722B}" dt="2025-05-01T00:07:33.926" v="626" actId="478"/>
-          <ac:picMkLst>
-            <pc:docMk/>
-            <pc:sldMk cId="773548588" sldId="261"/>
-            <ac:picMk id="4100" creationId="{8092365D-7A6E-3FF8-63C4-A53B88DE55D9}"/>
           </ac:picMkLst>
         </pc:picChg>
         <pc:picChg chg="add mod">
@@ -634,14 +476,6 @@
             <ac:spMk id="2" creationId="{512295DE-6FCE-118A-4CC7-C6FD8CFE7524}"/>
           </ac:spMkLst>
         </pc:spChg>
-        <pc:spChg chg="del">
-          <ac:chgData name="Weifeng Xu" userId="e7aed605-a3dd-4d5a-a692-a87037af107b" providerId="ADAL" clId="{77503F2E-F3A0-409B-A511-BB14035E722B}" dt="2025-05-01T01:00:40.977" v="795" actId="700"/>
-          <ac:spMkLst>
-            <pc:docMk/>
-            <pc:sldMk cId="2162073066" sldId="263"/>
-            <ac:spMk id="3" creationId="{362134CD-38AB-2929-1FBC-D9C2DE2232CD}"/>
-          </ac:spMkLst>
-        </pc:spChg>
         <pc:spChg chg="add mod">
           <ac:chgData name="Weifeng Xu" userId="e7aed605-a3dd-4d5a-a692-a87037af107b" providerId="ADAL" clId="{77503F2E-F3A0-409B-A511-BB14035E722B}" dt="2025-05-01T01:00:58.506" v="797" actId="1076"/>
           <ac:spMkLst>
@@ -658,14 +492,6 @@
             <ac:spMk id="10" creationId="{E1D8AEB0-3C05-B320-961D-0B5DC9A119AC}"/>
           </ac:spMkLst>
         </pc:spChg>
-        <pc:picChg chg="add del mod">
-          <ac:chgData name="Weifeng Xu" userId="e7aed605-a3dd-4d5a-a692-a87037af107b" providerId="ADAL" clId="{77503F2E-F3A0-409B-A511-BB14035E722B}" dt="2025-05-01T01:03:33.782" v="821" actId="22"/>
-          <ac:picMkLst>
-            <pc:docMk/>
-            <pc:sldMk cId="2162073066" sldId="263"/>
-            <ac:picMk id="7" creationId="{13034604-14A3-AA33-340C-8482958645EC}"/>
-          </ac:picMkLst>
-        </pc:picChg>
         <pc:picChg chg="add mod">
           <ac:chgData name="Weifeng Xu" userId="e7aed605-a3dd-4d5a-a692-a87037af107b" providerId="ADAL" clId="{77503F2E-F3A0-409B-A511-BB14035E722B}" dt="2025-05-01T01:04:08.227" v="825" actId="1076"/>
           <ac:picMkLst>
@@ -681,22 +507,6 @@
           <pc:docMk/>
           <pc:sldMk cId="1975365164" sldId="264"/>
         </pc:sldMkLst>
-        <pc:spChg chg="del mod ord">
-          <ac:chgData name="Weifeng Xu" userId="e7aed605-a3dd-4d5a-a692-a87037af107b" providerId="ADAL" clId="{77503F2E-F3A0-409B-A511-BB14035E722B}" dt="2025-05-01T01:32:24.237" v="1114" actId="700"/>
-          <ac:spMkLst>
-            <pc:docMk/>
-            <pc:sldMk cId="1975365164" sldId="264"/>
-            <ac:spMk id="2" creationId="{F3149AAA-F2AD-06B5-4581-A19608221DBD}"/>
-          </ac:spMkLst>
-        </pc:spChg>
-        <pc:spChg chg="del">
-          <ac:chgData name="Weifeng Xu" userId="e7aed605-a3dd-4d5a-a692-a87037af107b" providerId="ADAL" clId="{77503F2E-F3A0-409B-A511-BB14035E722B}" dt="2025-05-01T01:32:24.237" v="1114" actId="700"/>
-          <ac:spMkLst>
-            <pc:docMk/>
-            <pc:sldMk cId="1975365164" sldId="264"/>
-            <ac:spMk id="3" creationId="{AE4CCE1B-7EEC-EEE7-E2FC-BAA3EBAD1383}"/>
-          </ac:spMkLst>
-        </pc:spChg>
         <pc:spChg chg="add mod ord">
           <ac:chgData name="Weifeng Xu" userId="e7aed605-a3dd-4d5a-a692-a87037af107b" providerId="ADAL" clId="{77503F2E-F3A0-409B-A511-BB14035E722B}" dt="2025-05-01T01:38:40.647" v="1150" actId="313"/>
           <ac:spMkLst>
@@ -713,44 +523,12 @@
             <ac:spMk id="7" creationId="{1781E453-E779-800A-1BA4-2E8C79D30E34}"/>
           </ac:spMkLst>
         </pc:spChg>
-        <pc:grpChg chg="del mod">
-          <ac:chgData name="Weifeng Xu" userId="e7aed605-a3dd-4d5a-a692-a87037af107b" providerId="ADAL" clId="{77503F2E-F3A0-409B-A511-BB14035E722B}" dt="2025-05-01T02:27:39.348" v="1507"/>
-          <ac:grpSpMkLst>
-            <pc:docMk/>
-            <pc:sldMk cId="1975365164" sldId="264"/>
-            <ac:grpSpMk id="15" creationId="{5DEE13F4-8DE4-32BC-4EC6-ED699C0BB745}"/>
-          </ac:grpSpMkLst>
-        </pc:grpChg>
-        <pc:grpChg chg="del mod">
-          <ac:chgData name="Weifeng Xu" userId="e7aed605-a3dd-4d5a-a692-a87037af107b" providerId="ADAL" clId="{77503F2E-F3A0-409B-A511-BB14035E722B}" dt="2025-05-01T02:27:40.346" v="1509"/>
-          <ac:grpSpMkLst>
-            <pc:docMk/>
-            <pc:sldMk cId="1975365164" sldId="264"/>
-            <ac:grpSpMk id="17" creationId="{01F21BA8-9096-0639-96F8-9EF3813ABC3D}"/>
-          </ac:grpSpMkLst>
-        </pc:grpChg>
         <pc:grpChg chg="mod">
           <ac:chgData name="Weifeng Xu" userId="e7aed605-a3dd-4d5a-a692-a87037af107b" providerId="ADAL" clId="{77503F2E-F3A0-409B-A511-BB14035E722B}" dt="2025-05-01T02:27:40.346" v="1509"/>
           <ac:grpSpMkLst>
             <pc:docMk/>
             <pc:sldMk cId="1975365164" sldId="264"/>
             <ac:grpSpMk id="19" creationId="{8A09FA69-464A-6E14-07F0-5822C044283B}"/>
-          </ac:grpSpMkLst>
-        </pc:grpChg>
-        <pc:grpChg chg="mod">
-          <ac:chgData name="Weifeng Xu" userId="e7aed605-a3dd-4d5a-a692-a87037af107b" providerId="ADAL" clId="{77503F2E-F3A0-409B-A511-BB14035E722B}" dt="2025-05-01T02:28:25.359" v="1521"/>
-          <ac:grpSpMkLst>
-            <pc:docMk/>
-            <pc:sldMk cId="1975365164" sldId="264"/>
-            <ac:grpSpMk id="26" creationId="{35CB7BBF-0CEB-6123-1003-8CBF444338BD}"/>
-          </ac:grpSpMkLst>
-        </pc:grpChg>
-        <pc:grpChg chg="del mod">
-          <ac:chgData name="Weifeng Xu" userId="e7aed605-a3dd-4d5a-a692-a87037af107b" providerId="ADAL" clId="{77503F2E-F3A0-409B-A511-BB14035E722B}" dt="2025-05-01T02:28:32.993" v="1527"/>
-          <ac:grpSpMkLst>
-            <pc:docMk/>
-            <pc:sldMk cId="1975365164" sldId="264"/>
-            <ac:grpSpMk id="29" creationId="{22284D4E-B123-27E8-9079-B6ABA3698B17}"/>
           </ac:grpSpMkLst>
         </pc:grpChg>
         <pc:grpChg chg="mod">
@@ -769,14 +547,6 @@
             <ac:picMk id="6" creationId="{073A017E-A169-EAC9-D270-7AF4F3A4DA1F}"/>
           </ac:picMkLst>
         </pc:picChg>
-        <pc:picChg chg="add mod">
-          <ac:chgData name="Weifeng Xu" userId="e7aed605-a3dd-4d5a-a692-a87037af107b" providerId="ADAL" clId="{77503F2E-F3A0-409B-A511-BB14035E722B}" dt="2025-05-01T02:24:27.176" v="1485"/>
-          <ac:picMkLst>
-            <pc:docMk/>
-            <pc:sldMk cId="1975365164" sldId="264"/>
-            <ac:picMk id="8" creationId="{B2998210-ADFD-515B-1D37-F1CAA5E4EFC1}"/>
-          </ac:picMkLst>
-        </pc:picChg>
         <pc:picChg chg="add mod modCrop">
           <ac:chgData name="Weifeng Xu" userId="e7aed605-a3dd-4d5a-a692-a87037af107b" providerId="ADAL" clId="{77503F2E-F3A0-409B-A511-BB14035E722B}" dt="2025-05-01T02:26:32.654" v="1499" actId="1076"/>
           <ac:picMkLst>
@@ -793,14 +563,6 @@
             <ac:picMk id="11" creationId="{56841FA0-397D-5A90-D040-D9142F572F8E}"/>
           </ac:picMkLst>
         </pc:picChg>
-        <pc:inkChg chg="add del">
-          <ac:chgData name="Weifeng Xu" userId="e7aed605-a3dd-4d5a-a692-a87037af107b" providerId="ADAL" clId="{77503F2E-F3A0-409B-A511-BB14035E722B}" dt="2025-05-01T02:27:09.567" v="1502" actId="9405"/>
-          <ac:inkMkLst>
-            <pc:docMk/>
-            <pc:sldMk cId="1975365164" sldId="264"/>
-            <ac:inkMk id="12" creationId="{6268DD7B-5501-7D87-322C-0C0223D58E1B}"/>
-          </ac:inkMkLst>
-        </pc:inkChg>
         <pc:inkChg chg="add mod">
           <ac:chgData name="Weifeng Xu" userId="e7aed605-a3dd-4d5a-a692-a87037af107b" providerId="ADAL" clId="{77503F2E-F3A0-409B-A511-BB14035E722B}" dt="2025-05-01T02:27:40.346" v="1509"/>
           <ac:inkMkLst>
@@ -833,52 +595,12 @@
             <ac:inkMk id="18" creationId="{C58B9361-40C9-0A12-D6F4-CB8DAAAAA6ED}"/>
           </ac:inkMkLst>
         </pc:inkChg>
-        <pc:inkChg chg="add del">
-          <ac:chgData name="Weifeng Xu" userId="e7aed605-a3dd-4d5a-a692-a87037af107b" providerId="ADAL" clId="{77503F2E-F3A0-409B-A511-BB14035E722B}" dt="2025-05-01T02:27:46.137" v="1511" actId="9405"/>
-          <ac:inkMkLst>
-            <pc:docMk/>
-            <pc:sldMk cId="1975365164" sldId="264"/>
-            <ac:inkMk id="20" creationId="{F9826F5A-A9E0-3ACD-6385-1A9EB92E309E}"/>
-          </ac:inkMkLst>
-        </pc:inkChg>
-        <pc:inkChg chg="add del">
-          <ac:chgData name="Weifeng Xu" userId="e7aed605-a3dd-4d5a-a692-a87037af107b" providerId="ADAL" clId="{77503F2E-F3A0-409B-A511-BB14035E722B}" dt="2025-05-01T02:28:03.252" v="1513" actId="9405"/>
-          <ac:inkMkLst>
-            <pc:docMk/>
-            <pc:sldMk cId="1975365164" sldId="264"/>
-            <ac:inkMk id="21" creationId="{31B4679E-06D4-6963-5525-4A33661F8C59}"/>
-          </ac:inkMkLst>
-        </pc:inkChg>
         <pc:inkChg chg="add">
           <ac:chgData name="Weifeng Xu" userId="e7aed605-a3dd-4d5a-a692-a87037af107b" providerId="ADAL" clId="{77503F2E-F3A0-409B-A511-BB14035E722B}" dt="2025-05-01T02:28:09.697" v="1514" actId="9405"/>
           <ac:inkMkLst>
             <pc:docMk/>
             <pc:sldMk cId="1975365164" sldId="264"/>
             <ac:inkMk id="22" creationId="{F8666CE6-CFC6-B8B1-4488-1DC814DAF7C1}"/>
-          </ac:inkMkLst>
-        </pc:inkChg>
-        <pc:inkChg chg="add del">
-          <ac:chgData name="Weifeng Xu" userId="e7aed605-a3dd-4d5a-a692-a87037af107b" providerId="ADAL" clId="{77503F2E-F3A0-409B-A511-BB14035E722B}" dt="2025-05-01T02:28:15.787" v="1516" actId="9405"/>
-          <ac:inkMkLst>
-            <pc:docMk/>
-            <pc:sldMk cId="1975365164" sldId="264"/>
-            <ac:inkMk id="23" creationId="{457A9D8B-DC96-8A84-D593-00D33E613908}"/>
-          </ac:inkMkLst>
-        </pc:inkChg>
-        <pc:inkChg chg="add del mod">
-          <ac:chgData name="Weifeng Xu" userId="e7aed605-a3dd-4d5a-a692-a87037af107b" providerId="ADAL" clId="{77503F2E-F3A0-409B-A511-BB14035E722B}" dt="2025-05-01T02:28:25.950" v="1522" actId="9405"/>
-          <ac:inkMkLst>
-            <pc:docMk/>
-            <pc:sldMk cId="1975365164" sldId="264"/>
-            <ac:inkMk id="24" creationId="{192F2EE6-F9DD-DAF3-96FE-F29D9C41CECB}"/>
-          </ac:inkMkLst>
-        </pc:inkChg>
-        <pc:inkChg chg="add del mod">
-          <ac:chgData name="Weifeng Xu" userId="e7aed605-a3dd-4d5a-a692-a87037af107b" providerId="ADAL" clId="{77503F2E-F3A0-409B-A511-BB14035E722B}" dt="2025-05-01T02:28:25.359" v="1521"/>
-          <ac:inkMkLst>
-            <pc:docMk/>
-            <pc:sldMk cId="1975365164" sldId="264"/>
-            <ac:inkMk id="25" creationId="{BADDE994-CE8C-1CFC-F288-BD84DBF42754}"/>
           </ac:inkMkLst>
         </pc:inkChg>
         <pc:inkChg chg="add mod">
@@ -944,14 +666,6 @@
             <ac:spMk id="10" creationId="{E95E7608-D075-DF5B-9AE3-D6DAB69FE026}"/>
           </ac:spMkLst>
         </pc:spChg>
-        <pc:picChg chg="add del mod">
-          <ac:chgData name="Weifeng Xu" userId="e7aed605-a3dd-4d5a-a692-a87037af107b" providerId="ADAL" clId="{77503F2E-F3A0-409B-A511-BB14035E722B}" dt="2025-05-01T01:43:21.923" v="1155" actId="478"/>
-          <ac:picMkLst>
-            <pc:docMk/>
-            <pc:sldMk cId="4163382801" sldId="265"/>
-            <ac:picMk id="4" creationId="{2EE5B7A6-48A9-DAB8-59DA-01933A58904A}"/>
-          </ac:picMkLst>
-        </pc:picChg>
         <pc:picChg chg="add mod">
           <ac:chgData name="Weifeng Xu" userId="e7aed605-a3dd-4d5a-a692-a87037af107b" providerId="ADAL" clId="{77503F2E-F3A0-409B-A511-BB14035E722B}" dt="2025-05-01T16:11:41.176" v="2081" actId="1076"/>
           <ac:picMkLst>
@@ -983,22 +697,6 @@
             <ac:spMk id="2" creationId="{847D7429-4A21-7DB5-2AF5-11DB12A9C34F}"/>
           </ac:spMkLst>
         </pc:spChg>
-        <pc:spChg chg="add del mod">
-          <ac:chgData name="Weifeng Xu" userId="e7aed605-a3dd-4d5a-a692-a87037af107b" providerId="ADAL" clId="{77503F2E-F3A0-409B-A511-BB14035E722B}" dt="2025-05-01T15:39:36.513" v="1934" actId="478"/>
-          <ac:spMkLst>
-            <pc:docMk/>
-            <pc:sldMk cId="711940281" sldId="266"/>
-            <ac:spMk id="4" creationId="{477E4E99-7189-8866-8E17-2BA01E1E84D0}"/>
-          </ac:spMkLst>
-        </pc:spChg>
-        <pc:spChg chg="add del mod">
-          <ac:chgData name="Weifeng Xu" userId="e7aed605-a3dd-4d5a-a692-a87037af107b" providerId="ADAL" clId="{77503F2E-F3A0-409B-A511-BB14035E722B}" dt="2025-05-01T15:31:23.518" v="1888" actId="478"/>
-          <ac:spMkLst>
-            <pc:docMk/>
-            <pc:sldMk cId="711940281" sldId="266"/>
-            <ac:spMk id="5" creationId="{64EA3ED1-FBFE-5B42-0E8A-2E1D8C32CA0E}"/>
-          </ac:spMkLst>
-        </pc:spChg>
         <pc:spChg chg="add mod ord">
           <ac:chgData name="Weifeng Xu" userId="e7aed605-a3dd-4d5a-a692-a87037af107b" providerId="ADAL" clId="{77503F2E-F3A0-409B-A511-BB14035E722B}" dt="2025-05-01T15:39:51.026" v="1945" actId="403"/>
           <ac:spMkLst>
@@ -1007,30 +705,6 @@
             <ac:spMk id="6" creationId="{92FE5691-F77A-173D-C694-232DE28983A0}"/>
           </ac:spMkLst>
         </pc:spChg>
-        <pc:picChg chg="add mod">
-          <ac:chgData name="Weifeng Xu" userId="e7aed605-a3dd-4d5a-a692-a87037af107b" providerId="ADAL" clId="{77503F2E-F3A0-409B-A511-BB14035E722B}" dt="2025-05-01T01:54:21.974" v="1218" actId="1076"/>
-          <ac:picMkLst>
-            <pc:docMk/>
-            <pc:sldMk cId="711940281" sldId="266"/>
-            <ac:picMk id="6146" creationId="{C3D3A1B4-D5DC-11DE-8EF4-9D067D966EA9}"/>
-          </ac:picMkLst>
-        </pc:picChg>
-        <pc:picChg chg="add del mod">
-          <ac:chgData name="Weifeng Xu" userId="e7aed605-a3dd-4d5a-a692-a87037af107b" providerId="ADAL" clId="{77503F2E-F3A0-409B-A511-BB14035E722B}" dt="2025-05-01T02:01:12.150" v="1274" actId="478"/>
-          <ac:picMkLst>
-            <pc:docMk/>
-            <pc:sldMk cId="711940281" sldId="266"/>
-            <ac:picMk id="6148" creationId="{1D863EC7-08E6-267C-B404-05A9CA2A3370}"/>
-          </ac:picMkLst>
-        </pc:picChg>
-        <pc:picChg chg="add del mod">
-          <ac:chgData name="Weifeng Xu" userId="e7aed605-a3dd-4d5a-a692-a87037af107b" providerId="ADAL" clId="{77503F2E-F3A0-409B-A511-BB14035E722B}" dt="2025-05-01T15:38:52.650" v="1923" actId="478"/>
-          <ac:picMkLst>
-            <pc:docMk/>
-            <pc:sldMk cId="711940281" sldId="266"/>
-            <ac:picMk id="6150" creationId="{DA4D61C6-4EB8-9124-61C4-28912F80BF0C}"/>
-          </ac:picMkLst>
-        </pc:picChg>
         <pc:picChg chg="add mod">
           <ac:chgData name="Weifeng Xu" userId="e7aed605-a3dd-4d5a-a692-a87037af107b" providerId="ADAL" clId="{77503F2E-F3A0-409B-A511-BB14035E722B}" dt="2025-05-01T15:36:06.055" v="1922" actId="1076"/>
           <ac:picMkLst>
@@ -1094,14 +768,6 @@
             <ac:spMk id="6" creationId="{31C7A9AE-4D80-45EF-0798-DBB511D7B0EC}"/>
           </ac:spMkLst>
         </pc:spChg>
-        <pc:picChg chg="add del mod">
-          <ac:chgData name="Weifeng Xu" userId="e7aed605-a3dd-4d5a-a692-a87037af107b" providerId="ADAL" clId="{77503F2E-F3A0-409B-A511-BB14035E722B}" dt="2025-05-01T15:43:45.074" v="1947" actId="478"/>
-          <ac:picMkLst>
-            <pc:docMk/>
-            <pc:sldMk cId="3000902119" sldId="267"/>
-            <ac:picMk id="7170" creationId="{62A4E05C-DF12-0F62-EABD-A7CD5471D4A8}"/>
-          </ac:picMkLst>
-        </pc:picChg>
         <pc:picChg chg="add mod">
           <ac:chgData name="Weifeng Xu" userId="e7aed605-a3dd-4d5a-a692-a87037af107b" providerId="ADAL" clId="{77503F2E-F3A0-409B-A511-BB14035E722B}" dt="2025-05-01T02:08:12.046" v="1298" actId="1076"/>
           <ac:picMkLst>
@@ -1171,46 +837,6 @@
           <pc:docMk/>
           <pc:sldMk cId="1822568230" sldId="270"/>
         </pc:sldMkLst>
-        <pc:spChg chg="del">
-          <ac:chgData name="Weifeng Xu" userId="e7aed605-a3dd-4d5a-a692-a87037af107b" providerId="ADAL" clId="{77503F2E-F3A0-409B-A511-BB14035E722B}" dt="2025-05-01T02:17:13.697" v="1438" actId="700"/>
-          <ac:spMkLst>
-            <pc:docMk/>
-            <pc:sldMk cId="1822568230" sldId="270"/>
-            <ac:spMk id="2" creationId="{53556B11-189D-3718-F06F-DD44DA19202E}"/>
-          </ac:spMkLst>
-        </pc:spChg>
-        <pc:spChg chg="del">
-          <ac:chgData name="Weifeng Xu" userId="e7aed605-a3dd-4d5a-a692-a87037af107b" providerId="ADAL" clId="{77503F2E-F3A0-409B-A511-BB14035E722B}" dt="2025-05-01T02:17:13.697" v="1438" actId="700"/>
-          <ac:spMkLst>
-            <pc:docMk/>
-            <pc:sldMk cId="1822568230" sldId="270"/>
-            <ac:spMk id="3" creationId="{07159FCE-C50C-C199-A7DE-D62FA87B30C6}"/>
-          </ac:spMkLst>
-        </pc:spChg>
-        <pc:spChg chg="add">
-          <ac:chgData name="Weifeng Xu" userId="e7aed605-a3dd-4d5a-a692-a87037af107b" providerId="ADAL" clId="{77503F2E-F3A0-409B-A511-BB14035E722B}" dt="2025-05-01T02:17:33.670" v="1439"/>
-          <ac:spMkLst>
-            <pc:docMk/>
-            <pc:sldMk cId="1822568230" sldId="270"/>
-            <ac:spMk id="4" creationId="{7A0FF358-1E02-E6EC-7B7A-33CECDEBFEA5}"/>
-          </ac:spMkLst>
-        </pc:spChg>
-        <pc:spChg chg="add">
-          <ac:chgData name="Weifeng Xu" userId="e7aed605-a3dd-4d5a-a692-a87037af107b" providerId="ADAL" clId="{77503F2E-F3A0-409B-A511-BB14035E722B}" dt="2025-05-01T02:17:39.061" v="1440"/>
-          <ac:spMkLst>
-            <pc:docMk/>
-            <pc:sldMk cId="1822568230" sldId="270"/>
-            <ac:spMk id="5" creationId="{89AA2CE4-EC7C-28E0-2C09-EE0DC7BBC38E}"/>
-          </ac:spMkLst>
-        </pc:spChg>
-        <pc:spChg chg="add del mod">
-          <ac:chgData name="Weifeng Xu" userId="e7aed605-a3dd-4d5a-a692-a87037af107b" providerId="ADAL" clId="{77503F2E-F3A0-409B-A511-BB14035E722B}" dt="2025-05-01T16:06:30.650" v="2024" actId="478"/>
-          <ac:spMkLst>
-            <pc:docMk/>
-            <pc:sldMk cId="1822568230" sldId="270"/>
-            <ac:spMk id="8" creationId="{9E552CDB-3004-5968-7BE0-8BED3DCA4A58}"/>
-          </ac:spMkLst>
-        </pc:spChg>
         <pc:spChg chg="add mod">
           <ac:chgData name="Weifeng Xu" userId="e7aed605-a3dd-4d5a-a692-a87037af107b" providerId="ADAL" clId="{77503F2E-F3A0-409B-A511-BB14035E722B}" dt="2025-05-01T16:45:54.163" v="2089" actId="1076"/>
           <ac:spMkLst>
@@ -1227,14 +853,6 @@
             <ac:spMk id="11" creationId="{AFFB6BDB-FA77-608F-83B8-DC9ACCC053E9}"/>
           </ac:spMkLst>
         </pc:spChg>
-        <pc:picChg chg="add del mod">
-          <ac:chgData name="Weifeng Xu" userId="e7aed605-a3dd-4d5a-a692-a87037af107b" providerId="ADAL" clId="{77503F2E-F3A0-409B-A511-BB14035E722B}" dt="2025-05-01T16:06:28.661" v="2023" actId="478"/>
-          <ac:picMkLst>
-            <pc:docMk/>
-            <pc:sldMk cId="1822568230" sldId="270"/>
-            <ac:picMk id="6" creationId="{96CF75D6-AB06-41A5-9E29-A7A5DCC5946C}"/>
-          </ac:picMkLst>
-        </pc:picChg>
         <pc:picChg chg="add mod">
           <ac:chgData name="Weifeng Xu" userId="e7aed605-a3dd-4d5a-a692-a87037af107b" providerId="ADAL" clId="{77503F2E-F3A0-409B-A511-BB14035E722B}" dt="2025-05-01T16:07:59.255" v="2049" actId="14100"/>
           <ac:picMkLst>
@@ -1344,14 +962,6 @@
           <pc:docMk/>
           <pc:sldMk cId="3399795082" sldId="273"/>
         </pc:sldMkLst>
-        <pc:spChg chg="del mod ord">
-          <ac:chgData name="Weifeng Xu" userId="e7aed605-a3dd-4d5a-a692-a87037af107b" providerId="ADAL" clId="{77503F2E-F3A0-409B-A511-BB14035E722B}" dt="2025-05-01T14:58:22.189" v="1670" actId="700"/>
-          <ac:spMkLst>
-            <pc:docMk/>
-            <pc:sldMk cId="3399795082" sldId="273"/>
-            <ac:spMk id="2" creationId="{239575E3-C193-2D67-E81E-F5FC21643255}"/>
-          </ac:spMkLst>
-        </pc:spChg>
         <pc:spChg chg="add mod ord">
           <ac:chgData name="Weifeng Xu" userId="e7aed605-a3dd-4d5a-a692-a87037af107b" providerId="ADAL" clId="{77503F2E-F3A0-409B-A511-BB14035E722B}" dt="2025-05-01T14:59:11.283" v="1722" actId="20577"/>
           <ac:spMkLst>
@@ -1383,22 +993,6 @@
             <ac:spMk id="2" creationId="{247B30EF-8FFF-7C0B-23BF-EADE3C95D13B}"/>
           </ac:spMkLst>
         </pc:spChg>
-        <pc:spChg chg="add del mod ord">
-          <ac:chgData name="Weifeng Xu" userId="e7aed605-a3dd-4d5a-a692-a87037af107b" providerId="ADAL" clId="{77503F2E-F3A0-409B-A511-BB14035E722B}" dt="2025-05-01T15:25:52.622" v="1846" actId="700"/>
-          <ac:spMkLst>
-            <pc:docMk/>
-            <pc:sldMk cId="1313382436" sldId="274"/>
-            <ac:spMk id="3" creationId="{97232BF2-2889-9B61-A99A-4B104CE202FB}"/>
-          </ac:spMkLst>
-        </pc:spChg>
-        <pc:spChg chg="add del mod ord">
-          <ac:chgData name="Weifeng Xu" userId="e7aed605-a3dd-4d5a-a692-a87037af107b" providerId="ADAL" clId="{77503F2E-F3A0-409B-A511-BB14035E722B}" dt="2025-05-01T15:25:52.622" v="1846" actId="700"/>
-          <ac:spMkLst>
-            <pc:docMk/>
-            <pc:sldMk cId="1313382436" sldId="274"/>
-            <ac:spMk id="4" creationId="{C1D459D5-DD10-8B64-C38E-E5A98902365C}"/>
-          </ac:spMkLst>
-        </pc:spChg>
         <pc:spChg chg="add mod ord">
           <ac:chgData name="Weifeng Xu" userId="e7aed605-a3dd-4d5a-a692-a87037af107b" providerId="ADAL" clId="{77503F2E-F3A0-409B-A511-BB14035E722B}" dt="2025-05-01T15:30:28.941" v="1887" actId="403"/>
           <ac:spMkLst>
@@ -1430,14 +1024,6 @@
             <ac:spMk id="2" creationId="{505F8AB3-0EBE-B667-CFBD-145D976A5A8D}"/>
           </ac:spMkLst>
         </pc:spChg>
-        <pc:spChg chg="del">
-          <ac:chgData name="Weifeng Xu" userId="e7aed605-a3dd-4d5a-a692-a87037af107b" providerId="ADAL" clId="{77503F2E-F3A0-409B-A511-BB14035E722B}" dt="2025-05-01T15:05:27.626" v="1791" actId="700"/>
-          <ac:spMkLst>
-            <pc:docMk/>
-            <pc:sldMk cId="4170236264" sldId="275"/>
-            <ac:spMk id="3" creationId="{DCDF233F-AFAA-E70F-5ED8-D5C51BECBA2F}"/>
-          </ac:spMkLst>
-        </pc:spChg>
         <pc:spChg chg="add mod">
           <ac:chgData name="Weifeng Xu" userId="e7aed605-a3dd-4d5a-a692-a87037af107b" providerId="ADAL" clId="{77503F2E-F3A0-409B-A511-BB14035E722B}" dt="2025-05-01T15:06:28.829" v="1813" actId="404"/>
           <ac:spMkLst>
@@ -1469,14 +1055,6 @@
           <pc:docMk/>
           <pc:sldMk cId="363184616" sldId="276"/>
         </pc:sldMkLst>
-        <pc:spChg chg="del">
-          <ac:chgData name="Weifeng Xu" userId="e7aed605-a3dd-4d5a-a692-a87037af107b" providerId="ADAL" clId="{77503F2E-F3A0-409B-A511-BB14035E722B}" dt="2025-05-01T16:45:31.142" v="2085" actId="700"/>
-          <ac:spMkLst>
-            <pc:docMk/>
-            <pc:sldMk cId="363184616" sldId="276"/>
-            <ac:spMk id="2" creationId="{E293F481-C0C0-DB2B-7D36-C4FCA72B8DCB}"/>
-          </ac:spMkLst>
-        </pc:spChg>
         <pc:spChg chg="add mod">
           <ac:chgData name="Weifeng Xu" userId="e7aed605-a3dd-4d5a-a692-a87037af107b" providerId="ADAL" clId="{77503F2E-F3A0-409B-A511-BB14035E722B}" dt="2025-05-01T16:46:25.876" v="2093" actId="207"/>
           <ac:spMkLst>
@@ -1500,30 +1078,6 @@
           <pc:docMk/>
           <pc:sldMk cId="1433488969" sldId="276"/>
         </pc:sldMkLst>
-        <pc:spChg chg="mod">
-          <ac:chgData name="Weifeng Xu" userId="e7aed605-a3dd-4d5a-a692-a87037af107b" providerId="ADAL" clId="{77503F2E-F3A0-409B-A511-BB14035E722B}" dt="2025-05-01T16:09:12.328" v="2067" actId="20577"/>
-          <ac:spMkLst>
-            <pc:docMk/>
-            <pc:sldMk cId="1433488969" sldId="276"/>
-            <ac:spMk id="2" creationId="{7A5A80E0-474A-0053-ADF9-CAC203F0ADDD}"/>
-          </ac:spMkLst>
-        </pc:spChg>
-        <pc:spChg chg="add mod">
-          <ac:chgData name="Weifeng Xu" userId="e7aed605-a3dd-4d5a-a692-a87037af107b" providerId="ADAL" clId="{77503F2E-F3A0-409B-A511-BB14035E722B}" dt="2025-05-01T16:09:42.422" v="2069" actId="1076"/>
-          <ac:spMkLst>
-            <pc:docMk/>
-            <pc:sldMk cId="1433488969" sldId="276"/>
-            <ac:spMk id="4" creationId="{2DB50EA7-0F79-7B9B-C213-336E1A6F80CE}"/>
-          </ac:spMkLst>
-        </pc:spChg>
-        <pc:spChg chg="add mod">
-          <ac:chgData name="Weifeng Xu" userId="e7aed605-a3dd-4d5a-a692-a87037af107b" providerId="ADAL" clId="{77503F2E-F3A0-409B-A511-BB14035E722B}" dt="2025-05-01T16:10:29.481" v="2071" actId="1076"/>
-          <ac:spMkLst>
-            <pc:docMk/>
-            <pc:sldMk cId="1433488969" sldId="276"/>
-            <ac:spMk id="6" creationId="{0BACFE9D-C021-C5B2-30DD-BAE4283C0C3B}"/>
-          </ac:spMkLst>
-        </pc:spChg>
       </pc:sldChg>
       <pc:sldChg chg="addSp delSp modSp new del mod modClrScheme chgLayout">
         <pc:chgData name="Weifeng Xu" userId="e7aed605-a3dd-4d5a-a692-a87037af107b" providerId="ADAL" clId="{77503F2E-F3A0-409B-A511-BB14035E722B}" dt="2025-05-01T15:56:30.529" v="2015" actId="680"/>
@@ -1531,30 +1085,6 @@
           <pc:docMk/>
           <pc:sldMk cId="1774214095" sldId="276"/>
         </pc:sldMkLst>
-        <pc:spChg chg="add del">
-          <ac:chgData name="Weifeng Xu" userId="e7aed605-a3dd-4d5a-a692-a87037af107b" providerId="ADAL" clId="{77503F2E-F3A0-409B-A511-BB14035E722B}" dt="2025-05-01T15:56:29.606" v="2014" actId="700"/>
-          <ac:spMkLst>
-            <pc:docMk/>
-            <pc:sldMk cId="1774214095" sldId="276"/>
-            <ac:spMk id="2" creationId="{4A1E18A5-09CC-D4CF-8740-EB1137F47A4F}"/>
-          </ac:spMkLst>
-        </pc:spChg>
-        <pc:spChg chg="add del">
-          <ac:chgData name="Weifeng Xu" userId="e7aed605-a3dd-4d5a-a692-a87037af107b" providerId="ADAL" clId="{77503F2E-F3A0-409B-A511-BB14035E722B}" dt="2025-05-01T15:56:29.606" v="2014" actId="700"/>
-          <ac:spMkLst>
-            <pc:docMk/>
-            <pc:sldMk cId="1774214095" sldId="276"/>
-            <ac:spMk id="3" creationId="{E3B2FCD9-D4BC-B24A-03C0-E7CF46F68EC1}"/>
-          </ac:spMkLst>
-        </pc:spChg>
-        <pc:picChg chg="add mod">
-          <ac:chgData name="Weifeng Xu" userId="e7aed605-a3dd-4d5a-a692-a87037af107b" providerId="ADAL" clId="{77503F2E-F3A0-409B-A511-BB14035E722B}" dt="2025-05-01T15:56:28.813" v="2013" actId="1076"/>
-          <ac:picMkLst>
-            <pc:docMk/>
-            <pc:sldMk cId="1774214095" sldId="276"/>
-            <ac:picMk id="5122" creationId="{24B601DD-3270-89F7-BF98-5B92ECF93A43}"/>
-          </ac:picMkLst>
-        </pc:picChg>
       </pc:sldChg>
       <pc:sldChg chg="addSp modSp new del mod modClrScheme chgLayout">
         <pc:chgData name="Weifeng Xu" userId="e7aed605-a3dd-4d5a-a692-a87037af107b" providerId="ADAL" clId="{77503F2E-F3A0-409B-A511-BB14035E722B}" dt="2025-05-01T15:40:18.963" v="1946" actId="47"/>
@@ -1562,22 +1092,6 @@
           <pc:docMk/>
           <pc:sldMk cId="3294603324" sldId="276"/>
         </pc:sldMkLst>
-        <pc:spChg chg="mod ord">
-          <ac:chgData name="Weifeng Xu" userId="e7aed605-a3dd-4d5a-a692-a87037af107b" providerId="ADAL" clId="{77503F2E-F3A0-409B-A511-BB14035E722B}" dt="2025-05-01T15:34:20.039" v="1918" actId="700"/>
-          <ac:spMkLst>
-            <pc:docMk/>
-            <pc:sldMk cId="3294603324" sldId="276"/>
-            <ac:spMk id="2" creationId="{9A98B20A-C0BC-84EA-959E-D9F3F9C6F63B}"/>
-          </ac:spMkLst>
-        </pc:spChg>
-        <pc:spChg chg="add mod ord">
-          <ac:chgData name="Weifeng Xu" userId="e7aed605-a3dd-4d5a-a692-a87037af107b" providerId="ADAL" clId="{77503F2E-F3A0-409B-A511-BB14035E722B}" dt="2025-05-01T15:34:26.023" v="1920" actId="27636"/>
-          <ac:spMkLst>
-            <pc:docMk/>
-            <pc:sldMk cId="3294603324" sldId="276"/>
-            <ac:spMk id="3" creationId="{8CA71097-AEDF-CFBF-DDDF-286510DE823C}"/>
-          </ac:spMkLst>
-        </pc:spChg>
       </pc:sldChg>
       <pc:sldChg chg="addSp modSp new mod modAnim">
         <pc:chgData name="Weifeng Xu" userId="e7aed605-a3dd-4d5a-a692-a87037af107b" providerId="ADAL" clId="{77503F2E-F3A0-409B-A511-BB14035E722B}" dt="2025-05-01T18:53:39.456" v="2135" actId="1076"/>
@@ -1615,6 +1129,68 @@
           <pc:docMk/>
           <pc:sldMk cId="4149124542" sldId="277"/>
         </pc:sldMkLst>
+      </pc:sldChg>
+      <pc:sldChg chg="addSp delSp modSp new mod modClrScheme chgLayout">
+        <pc:chgData name="Weifeng Xu" userId="e7aed605-a3dd-4d5a-a692-a87037af107b" providerId="ADAL" clId="{77503F2E-F3A0-409B-A511-BB14035E722B}" dt="2025-05-16T16:47:57.322" v="2181" actId="20577"/>
+        <pc:sldMkLst>
+          <pc:docMk/>
+          <pc:sldMk cId="2334958734" sldId="278"/>
+        </pc:sldMkLst>
+        <pc:spChg chg="del">
+          <ac:chgData name="Weifeng Xu" userId="e7aed605-a3dd-4d5a-a692-a87037af107b" providerId="ADAL" clId="{77503F2E-F3A0-409B-A511-BB14035E722B}" dt="2025-05-16T16:45:06.523" v="2138" actId="700"/>
+          <ac:spMkLst>
+            <pc:docMk/>
+            <pc:sldMk cId="2334958734" sldId="278"/>
+            <ac:spMk id="2" creationId="{B54A4C3E-9D21-C259-0F07-399609F46F76}"/>
+          </ac:spMkLst>
+        </pc:spChg>
+        <pc:spChg chg="del">
+          <ac:chgData name="Weifeng Xu" userId="e7aed605-a3dd-4d5a-a692-a87037af107b" providerId="ADAL" clId="{77503F2E-F3A0-409B-A511-BB14035E722B}" dt="2025-05-16T16:45:06.523" v="2138" actId="700"/>
+          <ac:spMkLst>
+            <pc:docMk/>
+            <pc:sldMk cId="2334958734" sldId="278"/>
+            <ac:spMk id="3" creationId="{0461435A-8664-3759-4AC0-88F85CF1FDF5}"/>
+          </ac:spMkLst>
+        </pc:spChg>
+        <pc:spChg chg="add mod">
+          <ac:chgData name="Weifeng Xu" userId="e7aed605-a3dd-4d5a-a692-a87037af107b" providerId="ADAL" clId="{77503F2E-F3A0-409B-A511-BB14035E722B}" dt="2025-05-16T16:47:57.322" v="2181" actId="20577"/>
+          <ac:spMkLst>
+            <pc:docMk/>
+            <pc:sldMk cId="2334958734" sldId="278"/>
+            <ac:spMk id="6" creationId="{AF7A5977-D22F-1655-7905-3A92FDF2531C}"/>
+          </ac:spMkLst>
+        </pc:spChg>
+        <pc:picChg chg="add">
+          <ac:chgData name="Weifeng Xu" userId="e7aed605-a3dd-4d5a-a692-a87037af107b" providerId="ADAL" clId="{77503F2E-F3A0-409B-A511-BB14035E722B}" dt="2025-05-16T16:45:08.308" v="2139" actId="22"/>
+          <ac:picMkLst>
+            <pc:docMk/>
+            <pc:sldMk cId="2334958734" sldId="278"/>
+            <ac:picMk id="5" creationId="{6143DA46-C743-8B5A-1AA9-DE6FAAD05363}"/>
+          </ac:picMkLst>
+        </pc:picChg>
+      </pc:sldChg>
+      <pc:sldChg chg="addSp modSp new mod">
+        <pc:chgData name="Weifeng Xu" userId="e7aed605-a3dd-4d5a-a692-a87037af107b" providerId="ADAL" clId="{77503F2E-F3A0-409B-A511-BB14035E722B}" dt="2025-05-16T16:48:18.223" v="2217" actId="5793"/>
+        <pc:sldMkLst>
+          <pc:docMk/>
+          <pc:sldMk cId="893353383" sldId="279"/>
+        </pc:sldMkLst>
+        <pc:spChg chg="add mod">
+          <ac:chgData name="Weifeng Xu" userId="e7aed605-a3dd-4d5a-a692-a87037af107b" providerId="ADAL" clId="{77503F2E-F3A0-409B-A511-BB14035E722B}" dt="2025-05-16T16:48:18.223" v="2217" actId="5793"/>
+          <ac:spMkLst>
+            <pc:docMk/>
+            <pc:sldMk cId="893353383" sldId="279"/>
+            <ac:spMk id="4" creationId="{4D9B0E7E-F876-87E2-5670-B2DD5B1AC937}"/>
+          </ac:spMkLst>
+        </pc:spChg>
+        <pc:picChg chg="add">
+          <ac:chgData name="Weifeng Xu" userId="e7aed605-a3dd-4d5a-a692-a87037af107b" providerId="ADAL" clId="{77503F2E-F3A0-409B-A511-BB14035E722B}" dt="2025-05-16T16:45:55.496" v="2141" actId="22"/>
+          <ac:picMkLst>
+            <pc:docMk/>
+            <pc:sldMk cId="893353383" sldId="279"/>
+            <ac:picMk id="3" creationId="{81135B84-7F7B-6073-D4A1-C3D85B7C45DF}"/>
+          </ac:picMkLst>
+        </pc:picChg>
       </pc:sldChg>
     </pc:docChg>
   </pc:docChgLst>
@@ -2473,7 +2049,7 @@
           <a:p>
             <a:fld id="{2A59A54D-A59E-4D85-AEC9-D5AFF867AB55}" type="datetimeFigureOut">
               <a:rPr lang="en-US" smtClean="0"/>
-              <a:t>5/1/2025</a:t>
+              <a:t>5/16/2025</a:t>
             </a:fld>
             <a:endParaRPr lang="en-US"/>
           </a:p>
@@ -4150,7 +3726,7 @@
           <a:p>
             <a:fld id="{4263717A-E3C1-4BED-ABE0-B7069385E023}" type="datetimeFigureOut">
               <a:rPr lang="en-US" smtClean="0"/>
-              <a:t>5/1/2025</a:t>
+              <a:t>5/16/2025</a:t>
             </a:fld>
             <a:endParaRPr lang="en-US"/>
           </a:p>
@@ -4323,7 +3899,7 @@
           <a:p>
             <a:fld id="{4263717A-E3C1-4BED-ABE0-B7069385E023}" type="datetimeFigureOut">
               <a:rPr lang="en-US" smtClean="0"/>
-              <a:t>5/1/2025</a:t>
+              <a:t>5/16/2025</a:t>
             </a:fld>
             <a:endParaRPr lang="en-US"/>
           </a:p>
@@ -4501,7 +4077,7 @@
           <a:p>
             <a:fld id="{4263717A-E3C1-4BED-ABE0-B7069385E023}" type="datetimeFigureOut">
               <a:rPr lang="en-US" smtClean="0"/>
-              <a:t>5/1/2025</a:t>
+              <a:t>5/16/2025</a:t>
             </a:fld>
             <a:endParaRPr lang="en-US"/>
           </a:p>
@@ -4669,7 +4245,7 @@
           <a:p>
             <a:fld id="{4263717A-E3C1-4BED-ABE0-B7069385E023}" type="datetimeFigureOut">
               <a:rPr lang="en-US" smtClean="0"/>
-              <a:t>5/1/2025</a:t>
+              <a:t>5/16/2025</a:t>
             </a:fld>
             <a:endParaRPr lang="en-US"/>
           </a:p>
@@ -4914,7 +4490,7 @@
           <a:p>
             <a:fld id="{4263717A-E3C1-4BED-ABE0-B7069385E023}" type="datetimeFigureOut">
               <a:rPr lang="en-US" smtClean="0"/>
-              <a:t>5/1/2025</a:t>
+              <a:t>5/16/2025</a:t>
             </a:fld>
             <a:endParaRPr lang="en-US"/>
           </a:p>
@@ -5143,7 +4719,7 @@
           <a:p>
             <a:fld id="{4263717A-E3C1-4BED-ABE0-B7069385E023}" type="datetimeFigureOut">
               <a:rPr lang="en-US" smtClean="0"/>
-              <a:t>5/1/2025</a:t>
+              <a:t>5/16/2025</a:t>
             </a:fld>
             <a:endParaRPr lang="en-US"/>
           </a:p>
@@ -5507,7 +5083,7 @@
           <a:p>
             <a:fld id="{4263717A-E3C1-4BED-ABE0-B7069385E023}" type="datetimeFigureOut">
               <a:rPr lang="en-US" smtClean="0"/>
-              <a:t>5/1/2025</a:t>
+              <a:t>5/16/2025</a:t>
             </a:fld>
             <a:endParaRPr lang="en-US"/>
           </a:p>
@@ -5624,7 +5200,7 @@
           <a:p>
             <a:fld id="{4263717A-E3C1-4BED-ABE0-B7069385E023}" type="datetimeFigureOut">
               <a:rPr lang="en-US" smtClean="0"/>
-              <a:t>5/1/2025</a:t>
+              <a:t>5/16/2025</a:t>
             </a:fld>
             <a:endParaRPr lang="en-US"/>
           </a:p>
@@ -5719,7 +5295,7 @@
           <a:p>
             <a:fld id="{4263717A-E3C1-4BED-ABE0-B7069385E023}" type="datetimeFigureOut">
               <a:rPr lang="en-US" smtClean="0"/>
-              <a:t>5/1/2025</a:t>
+              <a:t>5/16/2025</a:t>
             </a:fld>
             <a:endParaRPr lang="en-US"/>
           </a:p>
@@ -5994,7 +5570,7 @@
           <a:p>
             <a:fld id="{4263717A-E3C1-4BED-ABE0-B7069385E023}" type="datetimeFigureOut">
               <a:rPr lang="en-US" smtClean="0"/>
-              <a:t>5/1/2025</a:t>
+              <a:t>5/16/2025</a:t>
             </a:fld>
             <a:endParaRPr lang="en-US"/>
           </a:p>
@@ -6246,7 +5822,7 @@
           <a:p>
             <a:fld id="{4263717A-E3C1-4BED-ABE0-B7069385E023}" type="datetimeFigureOut">
               <a:rPr lang="en-US" smtClean="0"/>
-              <a:t>5/1/2025</a:t>
+              <a:t>5/16/2025</a:t>
             </a:fld>
             <a:endParaRPr lang="en-US"/>
           </a:p>
@@ -6465,7 +6041,7 @@
           <a:p>
             <a:fld id="{4263717A-E3C1-4BED-ABE0-B7069385E023}" type="datetimeFigureOut">
               <a:rPr lang="en-US" smtClean="0"/>
-              <a:t>5/1/2025</a:t>
+              <a:t>5/16/2025</a:t>
             </a:fld>
             <a:endParaRPr lang="en-US"/>
           </a:p>
@@ -8743,6 +8319,200 @@
       </p:grpSpPr>
       <p:pic>
         <p:nvPicPr>
+          <p:cNvPr id="5" name="Picture 4">
+            <a:extLst>
+              <a:ext uri="{FF2B5EF4-FFF2-40B4-BE49-F238E27FC236}">
+                <a16:creationId xmlns:a16="http://schemas.microsoft.com/office/drawing/2014/main" id="{6143DA46-C743-8B5A-1AA9-DE6FAAD05363}"/>
+              </a:ext>
+            </a:extLst>
+          </p:cNvPr>
+          <p:cNvPicPr>
+            <a:picLocks noChangeAspect="1"/>
+          </p:cNvPicPr>
+          <p:nvPr/>
+        </p:nvPicPr>
+        <p:blipFill>
+          <a:blip r:embed="rId2"/>
+          <a:stretch>
+            <a:fillRect/>
+          </a:stretch>
+        </p:blipFill>
+        <p:spPr>
+          <a:xfrm>
+            <a:off x="1226398" y="594114"/>
+            <a:ext cx="9739204" cy="5669771"/>
+          </a:xfrm>
+          <a:prstGeom prst="rect">
+            <a:avLst/>
+          </a:prstGeom>
+        </p:spPr>
+      </p:pic>
+      <p:sp>
+        <p:nvSpPr>
+          <p:cNvPr id="6" name="TextBox 5">
+            <a:extLst>
+              <a:ext uri="{FF2B5EF4-FFF2-40B4-BE49-F238E27FC236}">
+                <a16:creationId xmlns:a16="http://schemas.microsoft.com/office/drawing/2014/main" id="{AF7A5977-D22F-1655-7905-3A92FDF2531C}"/>
+              </a:ext>
+            </a:extLst>
+          </p:cNvPr>
+          <p:cNvSpPr txBox="1"/>
+          <p:nvPr/>
+        </p:nvSpPr>
+        <p:spPr>
+          <a:xfrm>
+            <a:off x="386843" y="112113"/>
+            <a:ext cx="5773504" cy="369332"/>
+          </a:xfrm>
+          <a:prstGeom prst="rect">
+            <a:avLst/>
+          </a:prstGeom>
+          <a:solidFill>
+            <a:schemeClr val="accent2"/>
+          </a:solidFill>
+        </p:spPr>
+        <p:txBody>
+          <a:bodyPr wrap="none" rtlCol="0">
+            <a:spAutoFit/>
+          </a:bodyPr>
+          <a:lstStyle/>
+          <a:p>
+            <a:r>
+              <a:rPr lang="en-US" dirty="0"/>
+              <a:t>Multi-Layer Perceptron (MLP): Neurons have fictional labels</a:t>
+            </a:r>
+          </a:p>
+        </p:txBody>
+      </p:sp>
+    </p:spTree>
+    <p:extLst>
+      <p:ext uri="{BB962C8B-B14F-4D97-AF65-F5344CB8AC3E}">
+        <p14:creationId xmlns:p14="http://schemas.microsoft.com/office/powerpoint/2010/main" val="2334958734"/>
+      </p:ext>
+    </p:extLst>
+  </p:cSld>
+  <p:clrMapOvr>
+    <a:masterClrMapping/>
+  </p:clrMapOvr>
+</p:sld>
+</file>
+
+<file path=ppt/slides/slide18.xml><?xml version="1.0" encoding="utf-8"?>
+<p:sld xmlns:a="http://schemas.openxmlformats.org/drawingml/2006/main" xmlns:r="http://schemas.openxmlformats.org/officeDocument/2006/relationships" xmlns:p="http://schemas.openxmlformats.org/presentationml/2006/main">
+  <p:cSld>
+    <p:spTree>
+      <p:nvGrpSpPr>
+        <p:cNvPr id="1" name=""/>
+        <p:cNvGrpSpPr/>
+        <p:nvPr/>
+      </p:nvGrpSpPr>
+      <p:grpSpPr>
+        <a:xfrm>
+          <a:off x="0" y="0"/>
+          <a:ext cx="0" cy="0"/>
+          <a:chOff x="0" y="0"/>
+          <a:chExt cx="0" cy="0"/>
+        </a:xfrm>
+      </p:grpSpPr>
+      <p:pic>
+        <p:nvPicPr>
+          <p:cNvPr id="3" name="Picture 2">
+            <a:extLst>
+              <a:ext uri="{FF2B5EF4-FFF2-40B4-BE49-F238E27FC236}">
+                <a16:creationId xmlns:a16="http://schemas.microsoft.com/office/drawing/2014/main" id="{81135B84-7F7B-6073-D4A1-C3D85B7C45DF}"/>
+              </a:ext>
+            </a:extLst>
+          </p:cNvPr>
+          <p:cNvPicPr>
+            <a:picLocks noChangeAspect="1"/>
+          </p:cNvPicPr>
+          <p:nvPr/>
+        </p:nvPicPr>
+        <p:blipFill>
+          <a:blip r:embed="rId2"/>
+          <a:stretch>
+            <a:fillRect/>
+          </a:stretch>
+        </p:blipFill>
+        <p:spPr>
+          <a:xfrm>
+            <a:off x="1207346" y="556011"/>
+            <a:ext cx="9777307" cy="5745978"/>
+          </a:xfrm>
+          <a:prstGeom prst="rect">
+            <a:avLst/>
+          </a:prstGeom>
+        </p:spPr>
+      </p:pic>
+      <p:sp>
+        <p:nvSpPr>
+          <p:cNvPr id="4" name="TextBox 3">
+            <a:extLst>
+              <a:ext uri="{FF2B5EF4-FFF2-40B4-BE49-F238E27FC236}">
+                <a16:creationId xmlns:a16="http://schemas.microsoft.com/office/drawing/2014/main" id="{4D9B0E7E-F876-87E2-5670-B2DD5B1AC937}"/>
+              </a:ext>
+            </a:extLst>
+          </p:cNvPr>
+          <p:cNvSpPr txBox="1"/>
+          <p:nvPr/>
+        </p:nvSpPr>
+        <p:spPr>
+          <a:xfrm>
+            <a:off x="386843" y="112113"/>
+            <a:ext cx="6373027" cy="369332"/>
+          </a:xfrm>
+          <a:prstGeom prst="rect">
+            <a:avLst/>
+          </a:prstGeom>
+          <a:solidFill>
+            <a:schemeClr val="accent2"/>
+          </a:solidFill>
+        </p:spPr>
+        <p:txBody>
+          <a:bodyPr wrap="none" rtlCol="0">
+            <a:spAutoFit/>
+          </a:bodyPr>
+          <a:lstStyle/>
+          <a:p>
+            <a:r>
+              <a:rPr lang="en-US" dirty="0"/>
+              <a:t>Multi-Layer Perceptron (MLP): Neurons have no meaningful labels</a:t>
+            </a:r>
+          </a:p>
+        </p:txBody>
+      </p:sp>
+    </p:spTree>
+    <p:extLst>
+      <p:ext uri="{BB962C8B-B14F-4D97-AF65-F5344CB8AC3E}">
+        <p14:creationId xmlns:p14="http://schemas.microsoft.com/office/powerpoint/2010/main" val="893353383"/>
+      </p:ext>
+    </p:extLst>
+  </p:cSld>
+  <p:clrMapOvr>
+    <a:masterClrMapping/>
+  </p:clrMapOvr>
+</p:sld>
+</file>
+
+<file path=ppt/slides/slide19.xml><?xml version="1.0" encoding="utf-8"?>
+<p:sld xmlns:a="http://schemas.openxmlformats.org/drawingml/2006/main" xmlns:r="http://schemas.openxmlformats.org/officeDocument/2006/relationships" xmlns:p="http://schemas.openxmlformats.org/presentationml/2006/main">
+  <p:cSld>
+    <p:spTree>
+      <p:nvGrpSpPr>
+        <p:cNvPr id="1" name=""/>
+        <p:cNvGrpSpPr/>
+        <p:nvPr/>
+      </p:nvGrpSpPr>
+      <p:grpSpPr>
+        <a:xfrm>
+          <a:off x="0" y="0"/>
+          <a:ext cx="0" cy="0"/>
+          <a:chOff x="0" y="0"/>
+          <a:chExt cx="0" cy="0"/>
+        </a:xfrm>
+      </p:grpSpPr>
+      <p:pic>
+        <p:nvPicPr>
           <p:cNvPr id="8198" name="Picture 6">
             <a:extLst>
               <a:ext uri="{FF2B5EF4-FFF2-40B4-BE49-F238E27FC236}">
@@ -8873,7 +8643,181 @@
 </p:sld>
 </file>
 
-<file path=ppt/slides/slide18.xml><?xml version="1.0" encoding="utf-8"?>
+<file path=ppt/slides/slide2.xml><?xml version="1.0" encoding="utf-8"?>
+<p:sld xmlns:a="http://schemas.openxmlformats.org/drawingml/2006/main" xmlns:r="http://schemas.openxmlformats.org/officeDocument/2006/relationships" xmlns:p="http://schemas.openxmlformats.org/presentationml/2006/main">
+  <p:cSld>
+    <p:spTree>
+      <p:nvGrpSpPr>
+        <p:cNvPr id="1" name=""/>
+        <p:cNvGrpSpPr/>
+        <p:nvPr/>
+      </p:nvGrpSpPr>
+      <p:grpSpPr>
+        <a:xfrm>
+          <a:off x="0" y="0"/>
+          <a:ext cx="0" cy="0"/>
+          <a:chOff x="0" y="0"/>
+          <a:chExt cx="0" cy="0"/>
+        </a:xfrm>
+      </p:grpSpPr>
+      <p:sp>
+        <p:nvSpPr>
+          <p:cNvPr id="4" name="Title 3">
+            <a:extLst>
+              <a:ext uri="{FF2B5EF4-FFF2-40B4-BE49-F238E27FC236}">
+                <a16:creationId xmlns:a16="http://schemas.microsoft.com/office/drawing/2014/main" id="{A4471EA2-8542-1B3B-22F8-1AD96FE2287C}"/>
+              </a:ext>
+            </a:extLst>
+          </p:cNvPr>
+          <p:cNvSpPr>
+            <a:spLocks noGrp="1"/>
+          </p:cNvSpPr>
+          <p:nvPr>
+            <p:ph type="title"/>
+          </p:nvPr>
+        </p:nvSpPr>
+        <p:spPr/>
+        <p:txBody>
+          <a:bodyPr/>
+          <a:lstStyle/>
+          <a:p>
+            <a:r>
+              <a:rPr lang="en-US" dirty="0"/>
+              <a:t>An artificial neuron </a:t>
+            </a:r>
+          </a:p>
+        </p:txBody>
+      </p:sp>
+      <p:pic>
+        <p:nvPicPr>
+          <p:cNvPr id="1026" name="Picture 2">
+            <a:extLst>
+              <a:ext uri="{FF2B5EF4-FFF2-40B4-BE49-F238E27FC236}">
+                <a16:creationId xmlns:a16="http://schemas.microsoft.com/office/drawing/2014/main" id="{2E3782DF-2DC4-15ED-03BC-99B9B317BEE8}"/>
+              </a:ext>
+            </a:extLst>
+          </p:cNvPr>
+          <p:cNvPicPr>
+            <a:picLocks noChangeAspect="1" noChangeArrowheads="1"/>
+          </p:cNvPicPr>
+          <p:nvPr/>
+        </p:nvPicPr>
+        <p:blipFill>
+          <a:blip r:embed="rId2">
+            <a:extLst>
+              <a:ext uri="{28A0092B-C50C-407E-A947-70E740481C1C}">
+                <a14:useLocalDpi xmlns:a14="http://schemas.microsoft.com/office/drawing/2010/main" val="0"/>
+              </a:ext>
+            </a:extLst>
+          </a:blip>
+          <a:srcRect/>
+          <a:stretch>
+            <a:fillRect/>
+          </a:stretch>
+        </p:blipFill>
+        <p:spPr bwMode="auto">
+          <a:xfrm>
+            <a:off x="1522007" y="3653691"/>
+            <a:ext cx="6522619" cy="1598681"/>
+          </a:xfrm>
+          <a:prstGeom prst="rect">
+            <a:avLst/>
+          </a:prstGeom>
+          <a:noFill/>
+          <a:extLst>
+            <a:ext uri="{909E8E84-426E-40DD-AFC4-6F175D3DCCD1}">
+              <a14:hiddenFill xmlns:a14="http://schemas.microsoft.com/office/drawing/2010/main">
+                <a:solidFill>
+                  <a:srgbClr val="FFFFFF"/>
+                </a:solidFill>
+              </a14:hiddenFill>
+            </a:ext>
+          </a:extLst>
+        </p:spPr>
+      </p:pic>
+      <p:sp>
+        <p:nvSpPr>
+          <p:cNvPr id="8" name="TextBox 7">
+            <a:extLst>
+              <a:ext uri="{FF2B5EF4-FFF2-40B4-BE49-F238E27FC236}">
+                <a16:creationId xmlns:a16="http://schemas.microsoft.com/office/drawing/2014/main" id="{587CA252-5BDC-BDC4-1320-63DC91A55227}"/>
+              </a:ext>
+            </a:extLst>
+          </p:cNvPr>
+          <p:cNvSpPr txBox="1"/>
+          <p:nvPr/>
+        </p:nvSpPr>
+        <p:spPr>
+          <a:xfrm>
+            <a:off x="838199" y="1605628"/>
+            <a:ext cx="7821353" cy="1384995"/>
+          </a:xfrm>
+          <a:prstGeom prst="rect">
+            <a:avLst/>
+          </a:prstGeom>
+          <a:noFill/>
+        </p:spPr>
+        <p:txBody>
+          <a:bodyPr wrap="square">
+            <a:spAutoFit/>
+          </a:bodyPr>
+          <a:lstStyle/>
+          <a:p>
+            <a:r>
+              <a:rPr lang="en-GB" sz="2800" b="1" dirty="0"/>
+              <a:t>Definition</a:t>
+            </a:r>
+            <a:r>
+              <a:rPr lang="en-GB" sz="2800" dirty="0"/>
+              <a:t>: The simplest artificial neuron with a sigmoid function has one input (x), one weight (w), and usually a bias (b). Its computation is:</a:t>
+            </a:r>
+          </a:p>
+        </p:txBody>
+      </p:sp>
+      <p:pic>
+        <p:nvPicPr>
+          <p:cNvPr id="10" name="Picture 9">
+            <a:extLst>
+              <a:ext uri="{FF2B5EF4-FFF2-40B4-BE49-F238E27FC236}">
+                <a16:creationId xmlns:a16="http://schemas.microsoft.com/office/drawing/2014/main" id="{A1E64B01-71BC-B548-9F25-41E691013F9C}"/>
+              </a:ext>
+            </a:extLst>
+          </p:cNvPr>
+          <p:cNvPicPr>
+            <a:picLocks noChangeAspect="1"/>
+          </p:cNvPicPr>
+          <p:nvPr/>
+        </p:nvPicPr>
+        <p:blipFill>
+          <a:blip r:embed="rId3"/>
+          <a:stretch>
+            <a:fillRect/>
+          </a:stretch>
+        </p:blipFill>
+        <p:spPr>
+          <a:xfrm>
+            <a:off x="8335637" y="1609631"/>
+            <a:ext cx="2291787" cy="1051191"/>
+          </a:xfrm>
+          <a:prstGeom prst="rect">
+            <a:avLst/>
+          </a:prstGeom>
+        </p:spPr>
+      </p:pic>
+    </p:spTree>
+    <p:extLst>
+      <p:ext uri="{BB962C8B-B14F-4D97-AF65-F5344CB8AC3E}">
+        <p14:creationId xmlns:p14="http://schemas.microsoft.com/office/powerpoint/2010/main" val="2003605107"/>
+      </p:ext>
+    </p:extLst>
+  </p:cSld>
+  <p:clrMapOvr>
+    <a:masterClrMapping/>
+  </p:clrMapOvr>
+</p:sld>
+</file>
+
+<file path=ppt/slides/slide20.xml><?xml version="1.0" encoding="utf-8"?>
 <p:sld xmlns:a="http://schemas.openxmlformats.org/drawingml/2006/main" xmlns:r="http://schemas.openxmlformats.org/officeDocument/2006/relationships" xmlns:p="http://schemas.openxmlformats.org/presentationml/2006/main">
   <p:cSld>
     <p:spTree>
@@ -8987,7 +8931,7 @@
 </p:sld>
 </file>
 
-<file path=ppt/slides/slide19.xml><?xml version="1.0" encoding="utf-8"?>
+<file path=ppt/slides/slide21.xml><?xml version="1.0" encoding="utf-8"?>
 <p:sld xmlns:a="http://schemas.openxmlformats.org/drawingml/2006/main" xmlns:r="http://schemas.openxmlformats.org/officeDocument/2006/relationships" xmlns:p="http://schemas.openxmlformats.org/presentationml/2006/main">
   <p:cSld>
     <p:spTree>
@@ -9113,181 +9057,7 @@
 </p:sld>
 </file>
 
-<file path=ppt/slides/slide2.xml><?xml version="1.0" encoding="utf-8"?>
-<p:sld xmlns:a="http://schemas.openxmlformats.org/drawingml/2006/main" xmlns:r="http://schemas.openxmlformats.org/officeDocument/2006/relationships" xmlns:p="http://schemas.openxmlformats.org/presentationml/2006/main">
-  <p:cSld>
-    <p:spTree>
-      <p:nvGrpSpPr>
-        <p:cNvPr id="1" name=""/>
-        <p:cNvGrpSpPr/>
-        <p:nvPr/>
-      </p:nvGrpSpPr>
-      <p:grpSpPr>
-        <a:xfrm>
-          <a:off x="0" y="0"/>
-          <a:ext cx="0" cy="0"/>
-          <a:chOff x="0" y="0"/>
-          <a:chExt cx="0" cy="0"/>
-        </a:xfrm>
-      </p:grpSpPr>
-      <p:sp>
-        <p:nvSpPr>
-          <p:cNvPr id="4" name="Title 3">
-            <a:extLst>
-              <a:ext uri="{FF2B5EF4-FFF2-40B4-BE49-F238E27FC236}">
-                <a16:creationId xmlns:a16="http://schemas.microsoft.com/office/drawing/2014/main" id="{A4471EA2-8542-1B3B-22F8-1AD96FE2287C}"/>
-              </a:ext>
-            </a:extLst>
-          </p:cNvPr>
-          <p:cNvSpPr>
-            <a:spLocks noGrp="1"/>
-          </p:cNvSpPr>
-          <p:nvPr>
-            <p:ph type="title"/>
-          </p:nvPr>
-        </p:nvSpPr>
-        <p:spPr/>
-        <p:txBody>
-          <a:bodyPr/>
-          <a:lstStyle/>
-          <a:p>
-            <a:r>
-              <a:rPr lang="en-US" dirty="0"/>
-              <a:t>An artificial neuron </a:t>
-            </a:r>
-          </a:p>
-        </p:txBody>
-      </p:sp>
-      <p:pic>
-        <p:nvPicPr>
-          <p:cNvPr id="1026" name="Picture 2">
-            <a:extLst>
-              <a:ext uri="{FF2B5EF4-FFF2-40B4-BE49-F238E27FC236}">
-                <a16:creationId xmlns:a16="http://schemas.microsoft.com/office/drawing/2014/main" id="{2E3782DF-2DC4-15ED-03BC-99B9B317BEE8}"/>
-              </a:ext>
-            </a:extLst>
-          </p:cNvPr>
-          <p:cNvPicPr>
-            <a:picLocks noChangeAspect="1" noChangeArrowheads="1"/>
-          </p:cNvPicPr>
-          <p:nvPr/>
-        </p:nvPicPr>
-        <p:blipFill>
-          <a:blip r:embed="rId2">
-            <a:extLst>
-              <a:ext uri="{28A0092B-C50C-407E-A947-70E740481C1C}">
-                <a14:useLocalDpi xmlns:a14="http://schemas.microsoft.com/office/drawing/2010/main" val="0"/>
-              </a:ext>
-            </a:extLst>
-          </a:blip>
-          <a:srcRect/>
-          <a:stretch>
-            <a:fillRect/>
-          </a:stretch>
-        </p:blipFill>
-        <p:spPr bwMode="auto">
-          <a:xfrm>
-            <a:off x="1522007" y="3653691"/>
-            <a:ext cx="6522619" cy="1598681"/>
-          </a:xfrm>
-          <a:prstGeom prst="rect">
-            <a:avLst/>
-          </a:prstGeom>
-          <a:noFill/>
-          <a:extLst>
-            <a:ext uri="{909E8E84-426E-40DD-AFC4-6F175D3DCCD1}">
-              <a14:hiddenFill xmlns:a14="http://schemas.microsoft.com/office/drawing/2010/main">
-                <a:solidFill>
-                  <a:srgbClr val="FFFFFF"/>
-                </a:solidFill>
-              </a14:hiddenFill>
-            </a:ext>
-          </a:extLst>
-        </p:spPr>
-      </p:pic>
-      <p:sp>
-        <p:nvSpPr>
-          <p:cNvPr id="8" name="TextBox 7">
-            <a:extLst>
-              <a:ext uri="{FF2B5EF4-FFF2-40B4-BE49-F238E27FC236}">
-                <a16:creationId xmlns:a16="http://schemas.microsoft.com/office/drawing/2014/main" id="{587CA252-5BDC-BDC4-1320-63DC91A55227}"/>
-              </a:ext>
-            </a:extLst>
-          </p:cNvPr>
-          <p:cNvSpPr txBox="1"/>
-          <p:nvPr/>
-        </p:nvSpPr>
-        <p:spPr>
-          <a:xfrm>
-            <a:off x="838199" y="1605628"/>
-            <a:ext cx="7821353" cy="1384995"/>
-          </a:xfrm>
-          <a:prstGeom prst="rect">
-            <a:avLst/>
-          </a:prstGeom>
-          <a:noFill/>
-        </p:spPr>
-        <p:txBody>
-          <a:bodyPr wrap="square">
-            <a:spAutoFit/>
-          </a:bodyPr>
-          <a:lstStyle/>
-          <a:p>
-            <a:r>
-              <a:rPr lang="en-GB" sz="2800" b="1" dirty="0"/>
-              <a:t>Definition</a:t>
-            </a:r>
-            <a:r>
-              <a:rPr lang="en-GB" sz="2800" dirty="0"/>
-              <a:t>: The simplest artificial neuron with sigmoid function has one input (x), one weight (), and usually a bias (b). Its computation is:</a:t>
-            </a:r>
-          </a:p>
-        </p:txBody>
-      </p:sp>
-      <p:pic>
-        <p:nvPicPr>
-          <p:cNvPr id="10" name="Picture 9">
-            <a:extLst>
-              <a:ext uri="{FF2B5EF4-FFF2-40B4-BE49-F238E27FC236}">
-                <a16:creationId xmlns:a16="http://schemas.microsoft.com/office/drawing/2014/main" id="{A1E64B01-71BC-B548-9F25-41E691013F9C}"/>
-              </a:ext>
-            </a:extLst>
-          </p:cNvPr>
-          <p:cNvPicPr>
-            <a:picLocks noChangeAspect="1"/>
-          </p:cNvPicPr>
-          <p:nvPr/>
-        </p:nvPicPr>
-        <p:blipFill>
-          <a:blip r:embed="rId3"/>
-          <a:stretch>
-            <a:fillRect/>
-          </a:stretch>
-        </p:blipFill>
-        <p:spPr>
-          <a:xfrm>
-            <a:off x="8335637" y="1609631"/>
-            <a:ext cx="2291787" cy="1051191"/>
-          </a:xfrm>
-          <a:prstGeom prst="rect">
-            <a:avLst/>
-          </a:prstGeom>
-        </p:spPr>
-      </p:pic>
-    </p:spTree>
-    <p:extLst>
-      <p:ext uri="{BB962C8B-B14F-4D97-AF65-F5344CB8AC3E}">
-        <p14:creationId xmlns:p14="http://schemas.microsoft.com/office/powerpoint/2010/main" val="2003605107"/>
-      </p:ext>
-    </p:extLst>
-  </p:cSld>
-  <p:clrMapOvr>
-    <a:masterClrMapping/>
-  </p:clrMapOvr>
-</p:sld>
-</file>
-
-<file path=ppt/slides/slide20.xml><?xml version="1.0" encoding="utf-8"?>
+<file path=ppt/slides/slide22.xml><?xml version="1.0" encoding="utf-8"?>
 <p:sld xmlns:a="http://schemas.openxmlformats.org/drawingml/2006/main" xmlns:r="http://schemas.openxmlformats.org/officeDocument/2006/relationships" xmlns:p="http://schemas.openxmlformats.org/presentationml/2006/main">
   <p:cSld>
     <p:spTree>
@@ -9513,7 +9283,7 @@
 </p:sld>
 </file>
 
-<file path=ppt/slides/slide21.xml><?xml version="1.0" encoding="utf-8"?>
+<file path=ppt/slides/slide23.xml><?xml version="1.0" encoding="utf-8"?>
 <p:sld xmlns:a="http://schemas.openxmlformats.org/drawingml/2006/main" xmlns:r="http://schemas.openxmlformats.org/officeDocument/2006/relationships" xmlns:p="http://schemas.openxmlformats.org/presentationml/2006/main">
   <p:cSld>
     <p:spTree>
@@ -9617,7 +9387,7 @@
 </p:sld>
 </file>
 
-<file path=ppt/slides/slide22.xml><?xml version="1.0" encoding="utf-8"?>
+<file path=ppt/slides/slide24.xml><?xml version="1.0" encoding="utf-8"?>
 <p:sld xmlns:a="http://schemas.openxmlformats.org/drawingml/2006/main" xmlns:r="http://schemas.openxmlformats.org/officeDocument/2006/relationships" xmlns:p="http://schemas.openxmlformats.org/presentationml/2006/main">
   <p:cSld>
     <p:spTree>
